--- a/Slides/Basketball 4/Basketball_4_Lecture.pptx
+++ b/Slides/Basketball 4/Basketball_4_Lecture.pptx
@@ -225,7 +225,7 @@
           <a:p>
             <a:fld id="{C04E5E84-956F-4423-97B3-5936A6D8EEEE}" type="datetimeFigureOut">
               <a:rPr lang="en-US" smtClean="0"/>
-              <a:t>10/2/2019</a:t>
+              <a:t>9/30/2020</a:t>
             </a:fld>
             <a:endParaRPr lang="en-US"/>
           </a:p>
@@ -686,7 +686,7 @@
           <a:p>
             <a:fld id="{3881C039-66A3-4640-815B-3B5A8B7D868D}" type="datetimeFigureOut">
               <a:rPr lang="en-US" smtClean="0"/>
-              <a:t>10/2/2019</a:t>
+              <a:t>9/30/2020</a:t>
             </a:fld>
             <a:endParaRPr lang="en-US"/>
           </a:p>
@@ -856,7 +856,7 @@
           <a:p>
             <a:fld id="{3881C039-66A3-4640-815B-3B5A8B7D868D}" type="datetimeFigureOut">
               <a:rPr lang="en-US" smtClean="0"/>
-              <a:t>10/2/2019</a:t>
+              <a:t>9/30/2020</a:t>
             </a:fld>
             <a:endParaRPr lang="en-US"/>
           </a:p>
@@ -1077,7 +1077,7 @@
           <a:p>
             <a:fld id="{3881C039-66A3-4640-815B-3B5A8B7D868D}" type="datetimeFigureOut">
               <a:rPr lang="en-US" smtClean="0"/>
-              <a:t>10/2/2019</a:t>
+              <a:t>9/30/2020</a:t>
             </a:fld>
             <a:endParaRPr lang="en-US"/>
           </a:p>
@@ -1288,7 +1288,7 @@
           <a:p>
             <a:fld id="{3881C039-66A3-4640-815B-3B5A8B7D868D}" type="datetimeFigureOut">
               <a:rPr lang="en-US" smtClean="0"/>
-              <a:t>10/2/2019</a:t>
+              <a:t>9/30/2020</a:t>
             </a:fld>
             <a:endParaRPr lang="en-US"/>
           </a:p>
@@ -1583,7 +1583,7 @@
           <a:p>
             <a:fld id="{3881C039-66A3-4640-815B-3B5A8B7D868D}" type="datetimeFigureOut">
               <a:rPr lang="en-US" smtClean="0"/>
-              <a:t>10/2/2019</a:t>
+              <a:t>9/30/2020</a:t>
             </a:fld>
             <a:endParaRPr lang="en-US"/>
           </a:p>
@@ -1912,7 +1912,7 @@
           <a:p>
             <a:fld id="{3881C039-66A3-4640-815B-3B5A8B7D868D}" type="datetimeFigureOut">
               <a:rPr lang="en-US" smtClean="0"/>
-              <a:t>10/2/2019</a:t>
+              <a:t>9/30/2020</a:t>
             </a:fld>
             <a:endParaRPr lang="en-US"/>
           </a:p>
@@ -2404,7 +2404,7 @@
           <a:p>
             <a:fld id="{3881C039-66A3-4640-815B-3B5A8B7D868D}" type="datetimeFigureOut">
               <a:rPr lang="en-US" smtClean="0"/>
-              <a:t>10/2/2019</a:t>
+              <a:t>9/30/2020</a:t>
             </a:fld>
             <a:endParaRPr lang="en-US"/>
           </a:p>
@@ -2563,7 +2563,7 @@
           <a:p>
             <a:fld id="{3881C039-66A3-4640-815B-3B5A8B7D868D}" type="datetimeFigureOut">
               <a:rPr lang="en-US" smtClean="0"/>
-              <a:t>10/2/2019</a:t>
+              <a:t>9/30/2020</a:t>
             </a:fld>
             <a:endParaRPr lang="en-US"/>
           </a:p>
@@ -2699,7 +2699,7 @@
           <a:p>
             <a:fld id="{3881C039-66A3-4640-815B-3B5A8B7D868D}" type="datetimeFigureOut">
               <a:rPr lang="en-US" smtClean="0"/>
-              <a:t>10/2/2019</a:t>
+              <a:t>9/30/2020</a:t>
             </a:fld>
             <a:endParaRPr lang="en-US"/>
           </a:p>
@@ -3027,7 +3027,7 @@
           <a:p>
             <a:fld id="{3881C039-66A3-4640-815B-3B5A8B7D868D}" type="datetimeFigureOut">
               <a:rPr lang="en-US" smtClean="0"/>
-              <a:t>10/2/2019</a:t>
+              <a:t>9/30/2020</a:t>
             </a:fld>
             <a:endParaRPr lang="en-US"/>
           </a:p>
@@ -3342,7 +3342,7 @@
           <a:p>
             <a:fld id="{3881C039-66A3-4640-815B-3B5A8B7D868D}" type="datetimeFigureOut">
               <a:rPr lang="en-US" smtClean="0"/>
-              <a:t>10/2/2019</a:t>
+              <a:t>9/30/2020</a:t>
             </a:fld>
             <a:endParaRPr lang="en-US"/>
           </a:p>
@@ -3594,7 +3594,7 @@
           <a:p>
             <a:fld id="{3881C039-66A3-4640-815B-3B5A8B7D868D}" type="datetimeFigureOut">
               <a:rPr lang="en-US" smtClean="0"/>
-              <a:t>10/2/2019</a:t>
+              <a:t>9/30/2020</a:t>
             </a:fld>
             <a:endParaRPr lang="en-US"/>
           </a:p>
@@ -9743,7 +9743,7 @@
                 </a:solidFill>
                 <a:latin typeface="Selawik Semibold" panose="020B0702040204020203" pitchFamily="34" charset="0"/>
               </a:rPr>
-              <a:t>Scaled to Number of Games</a:t>
+              <a:t>Scaled to Number of Wins</a:t>
             </a:r>
           </a:p>
           <a:p>
@@ -9778,20 +9778,6 @@
               </a:solidFill>
               <a:latin typeface="Selawik Semibold" panose="020B0702040204020203" pitchFamily="34" charset="0"/>
             </a:endParaRPr>
-          </a:p>
-          <a:p>
-            <a:pPr lvl="1">
-              <a:buSzPct val="100000"/>
-            </a:pPr>
-            <a:r>
-              <a:rPr lang="en-US" sz="2200" dirty="0">
-                <a:solidFill>
-                  <a:schemeClr val="bg1"/>
-                </a:solidFill>
-                <a:latin typeface="Selawik Semibold" panose="020B0702040204020203" pitchFamily="34" charset="0"/>
-              </a:rPr>
-              <a:t>Indicates the Following Conversion</a:t>
-            </a:r>
           </a:p>
           <a:p>
             <a:pPr lvl="1">
@@ -10734,172 +10720,6 @@
                 <a:blip r:embed="rId7"/>
                 <a:stretch>
                   <a:fillRect/>
-                </a:stretch>
-              </a:blipFill>
-            </p:spPr>
-            <p:txBody>
-              <a:bodyPr/>
-              <a:lstStyle/>
-              <a:p>
-                <a:r>
-                  <a:rPr lang="en-US">
-                    <a:noFill/>
-                  </a:rPr>
-                  <a:t> </a:t>
-                </a:r>
-              </a:p>
-            </p:txBody>
-          </p:sp>
-        </mc:Fallback>
-      </mc:AlternateContent>
-      <mc:AlternateContent xmlns:mc="http://schemas.openxmlformats.org/markup-compatibility/2006" xmlns:a14="http://schemas.microsoft.com/office/drawing/2010/main">
-        <mc:Choice Requires="a14">
-          <p:sp>
-            <p:nvSpPr>
-              <p:cNvPr id="22" name="TextBox 21">
-                <a:extLst>
-                  <a:ext uri="{FF2B5EF4-FFF2-40B4-BE49-F238E27FC236}">
-                    <a16:creationId xmlns:a16="http://schemas.microsoft.com/office/drawing/2014/main" id="{8D20E521-79E7-4CD4-AB1D-8F0270B7CB7C}"/>
-                  </a:ext>
-                </a:extLst>
-              </p:cNvPr>
-              <p:cNvSpPr txBox="1"/>
-              <p:nvPr/>
-            </p:nvSpPr>
-            <p:spPr>
-              <a:xfrm>
-                <a:off x="156677" y="5868754"/>
-                <a:ext cx="10264797" cy="461665"/>
-              </a:xfrm>
-              <a:prstGeom prst="rect">
-                <a:avLst/>
-              </a:prstGeom>
-              <a:noFill/>
-            </p:spPr>
-            <p:txBody>
-              <a:bodyPr wrap="square" rtlCol="0">
-                <a:spAutoFit/>
-              </a:bodyPr>
-              <a:lstStyle/>
-              <a:p>
-                <a:pPr/>
-                <a14:m>
-                  <m:oMathPara xmlns:m="http://schemas.openxmlformats.org/officeDocument/2006/math">
-                    <m:oMathParaPr>
-                      <m:jc m:val="centerGroup"/>
-                    </m:oMathParaPr>
-                    <m:oMath xmlns:m="http://schemas.openxmlformats.org/officeDocument/2006/math">
-                      <m:r>
-                        <a:rPr lang="en-US" sz="2400" b="0" i="1" smtClean="0">
-                          <a:solidFill>
-                            <a:schemeClr val="bg1"/>
-                          </a:solidFill>
-                          <a:latin typeface="Cambria Math" panose="02040503050406030204" pitchFamily="18" charset="0"/>
-                        </a:rPr>
-                        <m:t>2,880 </m:t>
-                      </m:r>
-                      <m:r>
-                        <a:rPr lang="en-US" sz="2400" b="0" i="1" smtClean="0">
-                          <a:solidFill>
-                            <a:schemeClr val="bg1"/>
-                          </a:solidFill>
-                          <a:latin typeface="Cambria Math" panose="02040503050406030204" pitchFamily="18" charset="0"/>
-                        </a:rPr>
-                        <m:t>𝑃𝑂𝑅𝑃</m:t>
-                      </m:r>
-                      <m:r>
-                        <a:rPr lang="en-US" sz="2400" b="0" i="1" smtClean="0">
-                          <a:solidFill>
-                            <a:schemeClr val="bg1"/>
-                          </a:solidFill>
-                          <a:latin typeface="Cambria Math" panose="02040503050406030204" pitchFamily="18" charset="0"/>
-                        </a:rPr>
-                        <m:t>×</m:t>
-                      </m:r>
-                      <m:r>
-                        <a:rPr lang="en-US" sz="2400" b="0" i="1" smtClean="0">
-                          <a:solidFill>
-                            <a:schemeClr val="bg1"/>
-                          </a:solidFill>
-                          <a:latin typeface="Cambria Math" panose="02040503050406030204" pitchFamily="18" charset="0"/>
-                        </a:rPr>
-                        <m:t>𝑀𝑖𝑛𝑢𝑡𝑒𝑠</m:t>
-                      </m:r>
-                      <m:r>
-                        <a:rPr lang="en-US" sz="2400" b="0" i="1" smtClean="0">
-                          <a:solidFill>
-                            <a:schemeClr val="bg1"/>
-                          </a:solidFill>
-                          <a:latin typeface="Cambria Math" panose="02040503050406030204" pitchFamily="18" charset="0"/>
-                        </a:rPr>
-                        <m:t> </m:t>
-                      </m:r>
-                      <m:r>
-                        <a:rPr lang="en-US" sz="2400" b="0" i="1" smtClean="0">
-                          <a:solidFill>
-                            <a:schemeClr val="bg1"/>
-                          </a:solidFill>
-                          <a:latin typeface="Cambria Math" panose="02040503050406030204" pitchFamily="18" charset="0"/>
-                        </a:rPr>
-                        <m:t>𝑃𝑙𝑎𝑦𝑒𝑑</m:t>
-                      </m:r>
-                      <m:r>
-                        <a:rPr lang="en-US" sz="2400" b="0" i="1" smtClean="0">
-                          <a:solidFill>
-                            <a:schemeClr val="bg1"/>
-                          </a:solidFill>
-                          <a:latin typeface="Cambria Math" panose="02040503050406030204" pitchFamily="18" charset="0"/>
-                        </a:rPr>
-                        <m:t>=1 </m:t>
-                      </m:r>
-                      <m:r>
-                        <a:rPr lang="en-US" sz="2400" b="0" i="1" smtClean="0">
-                          <a:solidFill>
-                            <a:schemeClr val="bg1"/>
-                          </a:solidFill>
-                          <a:latin typeface="Cambria Math" panose="02040503050406030204" pitchFamily="18" charset="0"/>
-                        </a:rPr>
-                        <m:t>𝑊𝑖𝑛</m:t>
-                      </m:r>
-                    </m:oMath>
-                  </m:oMathPara>
-                </a14:m>
-                <a:endParaRPr lang="en-US" sz="2400" dirty="0">
-                  <a:solidFill>
-                    <a:schemeClr val="bg1"/>
-                  </a:solidFill>
-                </a:endParaRPr>
-              </a:p>
-            </p:txBody>
-          </p:sp>
-        </mc:Choice>
-        <mc:Fallback xmlns="">
-          <p:sp>
-            <p:nvSpPr>
-              <p:cNvPr id="22" name="TextBox 21">
-                <a:extLst>
-                  <a:ext uri="{FF2B5EF4-FFF2-40B4-BE49-F238E27FC236}">
-                    <a16:creationId xmlns:a16="http://schemas.microsoft.com/office/drawing/2014/main" id="{8D20E521-79E7-4CD4-AB1D-8F0270B7CB7C}"/>
-                  </a:ext>
-                </a:extLst>
-              </p:cNvPr>
-              <p:cNvSpPr txBox="1">
-                <a:spLocks noRot="1" noChangeAspect="1" noMove="1" noResize="1" noEditPoints="1" noAdjustHandles="1" noChangeArrowheads="1" noChangeShapeType="1" noTextEdit="1"/>
-              </p:cNvSpPr>
-              <p:nvPr/>
-            </p:nvSpPr>
-            <p:spPr>
-              <a:xfrm>
-                <a:off x="156677" y="5868754"/>
-                <a:ext cx="10264797" cy="461665"/>
-              </a:xfrm>
-              <a:prstGeom prst="rect">
-                <a:avLst/>
-              </a:prstGeom>
-              <a:blipFill>
-                <a:blip r:embed="rId8"/>
-                <a:stretch>
-                  <a:fillRect b="-21333"/>
                 </a:stretch>
               </a:blipFill>
             </p:spPr>

--- a/Slides/Basketball 4/Basketball_4_Lecture.pptx
+++ b/Slides/Basketball 4/Basketball_4_Lecture.pptx
@@ -225,7 +225,7 @@
           <a:p>
             <a:fld id="{C04E5E84-956F-4423-97B3-5936A6D8EEEE}" type="datetimeFigureOut">
               <a:rPr lang="en-US" smtClean="0"/>
-              <a:t>9/30/2020</a:t>
+              <a:t>10/2/2020</a:t>
             </a:fld>
             <a:endParaRPr lang="en-US"/>
           </a:p>
@@ -686,7 +686,7 @@
           <a:p>
             <a:fld id="{3881C039-66A3-4640-815B-3B5A8B7D868D}" type="datetimeFigureOut">
               <a:rPr lang="en-US" smtClean="0"/>
-              <a:t>9/30/2020</a:t>
+              <a:t>10/2/2020</a:t>
             </a:fld>
             <a:endParaRPr lang="en-US"/>
           </a:p>
@@ -856,7 +856,7 @@
           <a:p>
             <a:fld id="{3881C039-66A3-4640-815B-3B5A8B7D868D}" type="datetimeFigureOut">
               <a:rPr lang="en-US" smtClean="0"/>
-              <a:t>9/30/2020</a:t>
+              <a:t>10/2/2020</a:t>
             </a:fld>
             <a:endParaRPr lang="en-US"/>
           </a:p>
@@ -1077,7 +1077,7 @@
           <a:p>
             <a:fld id="{3881C039-66A3-4640-815B-3B5A8B7D868D}" type="datetimeFigureOut">
               <a:rPr lang="en-US" smtClean="0"/>
-              <a:t>9/30/2020</a:t>
+              <a:t>10/2/2020</a:t>
             </a:fld>
             <a:endParaRPr lang="en-US"/>
           </a:p>
@@ -1288,7 +1288,7 @@
           <a:p>
             <a:fld id="{3881C039-66A3-4640-815B-3B5A8B7D868D}" type="datetimeFigureOut">
               <a:rPr lang="en-US" smtClean="0"/>
-              <a:t>9/30/2020</a:t>
+              <a:t>10/2/2020</a:t>
             </a:fld>
             <a:endParaRPr lang="en-US"/>
           </a:p>
@@ -1583,7 +1583,7 @@
           <a:p>
             <a:fld id="{3881C039-66A3-4640-815B-3B5A8B7D868D}" type="datetimeFigureOut">
               <a:rPr lang="en-US" smtClean="0"/>
-              <a:t>9/30/2020</a:t>
+              <a:t>10/2/2020</a:t>
             </a:fld>
             <a:endParaRPr lang="en-US"/>
           </a:p>
@@ -1912,7 +1912,7 @@
           <a:p>
             <a:fld id="{3881C039-66A3-4640-815B-3B5A8B7D868D}" type="datetimeFigureOut">
               <a:rPr lang="en-US" smtClean="0"/>
-              <a:t>9/30/2020</a:t>
+              <a:t>10/2/2020</a:t>
             </a:fld>
             <a:endParaRPr lang="en-US"/>
           </a:p>
@@ -2404,7 +2404,7 @@
           <a:p>
             <a:fld id="{3881C039-66A3-4640-815B-3B5A8B7D868D}" type="datetimeFigureOut">
               <a:rPr lang="en-US" smtClean="0"/>
-              <a:t>9/30/2020</a:t>
+              <a:t>10/2/2020</a:t>
             </a:fld>
             <a:endParaRPr lang="en-US"/>
           </a:p>
@@ -2563,7 +2563,7 @@
           <a:p>
             <a:fld id="{3881C039-66A3-4640-815B-3B5A8B7D868D}" type="datetimeFigureOut">
               <a:rPr lang="en-US" smtClean="0"/>
-              <a:t>9/30/2020</a:t>
+              <a:t>10/2/2020</a:t>
             </a:fld>
             <a:endParaRPr lang="en-US"/>
           </a:p>
@@ -2699,7 +2699,7 @@
           <a:p>
             <a:fld id="{3881C039-66A3-4640-815B-3B5A8B7D868D}" type="datetimeFigureOut">
               <a:rPr lang="en-US" smtClean="0"/>
-              <a:t>9/30/2020</a:t>
+              <a:t>10/2/2020</a:t>
             </a:fld>
             <a:endParaRPr lang="en-US"/>
           </a:p>
@@ -3027,7 +3027,7 @@
           <a:p>
             <a:fld id="{3881C039-66A3-4640-815B-3B5A8B7D868D}" type="datetimeFigureOut">
               <a:rPr lang="en-US" smtClean="0"/>
-              <a:t>9/30/2020</a:t>
+              <a:t>10/2/2020</a:t>
             </a:fld>
             <a:endParaRPr lang="en-US"/>
           </a:p>
@@ -3342,7 +3342,7 @@
           <a:p>
             <a:fld id="{3881C039-66A3-4640-815B-3B5A8B7D868D}" type="datetimeFigureOut">
               <a:rPr lang="en-US" smtClean="0"/>
-              <a:t>9/30/2020</a:t>
+              <a:t>10/2/2020</a:t>
             </a:fld>
             <a:endParaRPr lang="en-US"/>
           </a:p>
@@ -3594,7 +3594,7 @@
           <a:p>
             <a:fld id="{3881C039-66A3-4640-815B-3B5A8B7D868D}" type="datetimeFigureOut">
               <a:rPr lang="en-US" smtClean="0"/>
-              <a:t>9/30/2020</a:t>
+              <a:t>10/2/2020</a:t>
             </a:fld>
             <a:endParaRPr lang="en-US"/>
           </a:p>
@@ -22594,7 +22594,7 @@
                 </a:solidFill>
                 <a:latin typeface="Selawik Semibold" panose="020B0702040204020203" pitchFamily="34" charset="0"/>
               </a:rPr>
-              <a:t>Average Salary is not the Salary of an Average Team </a:t>
+              <a:t>Average Salary may not be the Salary of an Average Team </a:t>
             </a:r>
           </a:p>
           <a:p>

--- a/Slides/Basketball 4/Basketball_4_Lecture.pptx
+++ b/Slides/Basketball 4/Basketball_4_Lecture.pptx
@@ -225,7 +225,7 @@
           <a:p>
             <a:fld id="{C04E5E84-956F-4423-97B3-5936A6D8EEEE}" type="datetimeFigureOut">
               <a:rPr lang="en-US" smtClean="0"/>
-              <a:t>10/2/2020</a:t>
+              <a:t>3/18/2021</a:t>
             </a:fld>
             <a:endParaRPr lang="en-US"/>
           </a:p>
@@ -686,7 +686,7 @@
           <a:p>
             <a:fld id="{3881C039-66A3-4640-815B-3B5A8B7D868D}" type="datetimeFigureOut">
               <a:rPr lang="en-US" smtClean="0"/>
-              <a:t>10/2/2020</a:t>
+              <a:t>3/18/2021</a:t>
             </a:fld>
             <a:endParaRPr lang="en-US"/>
           </a:p>
@@ -856,7 +856,7 @@
           <a:p>
             <a:fld id="{3881C039-66A3-4640-815B-3B5A8B7D868D}" type="datetimeFigureOut">
               <a:rPr lang="en-US" smtClean="0"/>
-              <a:t>10/2/2020</a:t>
+              <a:t>3/18/2021</a:t>
             </a:fld>
             <a:endParaRPr lang="en-US"/>
           </a:p>
@@ -1077,7 +1077,7 @@
           <a:p>
             <a:fld id="{3881C039-66A3-4640-815B-3B5A8B7D868D}" type="datetimeFigureOut">
               <a:rPr lang="en-US" smtClean="0"/>
-              <a:t>10/2/2020</a:t>
+              <a:t>3/18/2021</a:t>
             </a:fld>
             <a:endParaRPr lang="en-US"/>
           </a:p>
@@ -1288,7 +1288,7 @@
           <a:p>
             <a:fld id="{3881C039-66A3-4640-815B-3B5A8B7D868D}" type="datetimeFigureOut">
               <a:rPr lang="en-US" smtClean="0"/>
-              <a:t>10/2/2020</a:t>
+              <a:t>3/18/2021</a:t>
             </a:fld>
             <a:endParaRPr lang="en-US"/>
           </a:p>
@@ -1583,7 +1583,7 @@
           <a:p>
             <a:fld id="{3881C039-66A3-4640-815B-3B5A8B7D868D}" type="datetimeFigureOut">
               <a:rPr lang="en-US" smtClean="0"/>
-              <a:t>10/2/2020</a:t>
+              <a:t>3/18/2021</a:t>
             </a:fld>
             <a:endParaRPr lang="en-US"/>
           </a:p>
@@ -1912,7 +1912,7 @@
           <a:p>
             <a:fld id="{3881C039-66A3-4640-815B-3B5A8B7D868D}" type="datetimeFigureOut">
               <a:rPr lang="en-US" smtClean="0"/>
-              <a:t>10/2/2020</a:t>
+              <a:t>3/18/2021</a:t>
             </a:fld>
             <a:endParaRPr lang="en-US"/>
           </a:p>
@@ -2404,7 +2404,7 @@
           <a:p>
             <a:fld id="{3881C039-66A3-4640-815B-3B5A8B7D868D}" type="datetimeFigureOut">
               <a:rPr lang="en-US" smtClean="0"/>
-              <a:t>10/2/2020</a:t>
+              <a:t>3/18/2021</a:t>
             </a:fld>
             <a:endParaRPr lang="en-US"/>
           </a:p>
@@ -2563,7 +2563,7 @@
           <a:p>
             <a:fld id="{3881C039-66A3-4640-815B-3B5A8B7D868D}" type="datetimeFigureOut">
               <a:rPr lang="en-US" smtClean="0"/>
-              <a:t>10/2/2020</a:t>
+              <a:t>3/18/2021</a:t>
             </a:fld>
             <a:endParaRPr lang="en-US"/>
           </a:p>
@@ -2699,7 +2699,7 @@
           <a:p>
             <a:fld id="{3881C039-66A3-4640-815B-3B5A8B7D868D}" type="datetimeFigureOut">
               <a:rPr lang="en-US" smtClean="0"/>
-              <a:t>10/2/2020</a:t>
+              <a:t>3/18/2021</a:t>
             </a:fld>
             <a:endParaRPr lang="en-US"/>
           </a:p>
@@ -3027,7 +3027,7 @@
           <a:p>
             <a:fld id="{3881C039-66A3-4640-815B-3B5A8B7D868D}" type="datetimeFigureOut">
               <a:rPr lang="en-US" smtClean="0"/>
-              <a:t>10/2/2020</a:t>
+              <a:t>3/18/2021</a:t>
             </a:fld>
             <a:endParaRPr lang="en-US"/>
           </a:p>
@@ -3342,7 +3342,7 @@
           <a:p>
             <a:fld id="{3881C039-66A3-4640-815B-3B5A8B7D868D}" type="datetimeFigureOut">
               <a:rPr lang="en-US" smtClean="0"/>
-              <a:t>10/2/2020</a:t>
+              <a:t>3/18/2021</a:t>
             </a:fld>
             <a:endParaRPr lang="en-US"/>
           </a:p>
@@ -3594,7 +3594,7 @@
           <a:p>
             <a:fld id="{3881C039-66A3-4640-815B-3B5A8B7D868D}" type="datetimeFigureOut">
               <a:rPr lang="en-US" smtClean="0"/>
-              <a:t>10/2/2020</a:t>
+              <a:t>3/18/2021</a:t>
             </a:fld>
             <a:endParaRPr lang="en-US"/>
           </a:p>
@@ -4210,7 +4210,7 @@
               <a:rPr lang="en-US" dirty="0">
                 <a:latin typeface="Selawik Semibold" panose="020B0702040204020203" pitchFamily="34" charset="0"/>
               </a:rPr>
-              <a:t>UNC STOR 390</a:t>
+              <a:t>UNC STOR 538</a:t>
             </a:r>
           </a:p>
         </p:txBody>

--- a/Slides/Basketball 4/Basketball_4_Lecture.pptx
+++ b/Slides/Basketball 4/Basketball_4_Lecture.pptx
@@ -225,7 +225,7 @@
           <a:p>
             <a:fld id="{C04E5E84-956F-4423-97B3-5936A6D8EEEE}" type="datetimeFigureOut">
               <a:rPr lang="en-US" smtClean="0"/>
-              <a:t>3/5/2023</a:t>
+              <a:t>3/9/2023</a:t>
             </a:fld>
             <a:endParaRPr lang="en-US"/>
           </a:p>
@@ -686,7 +686,7 @@
           <a:p>
             <a:fld id="{3881C039-66A3-4640-815B-3B5A8B7D868D}" type="datetimeFigureOut">
               <a:rPr lang="en-US" smtClean="0"/>
-              <a:t>3/5/2023</a:t>
+              <a:t>3/9/2023</a:t>
             </a:fld>
             <a:endParaRPr lang="en-US"/>
           </a:p>
@@ -856,7 +856,7 @@
           <a:p>
             <a:fld id="{3881C039-66A3-4640-815B-3B5A8B7D868D}" type="datetimeFigureOut">
               <a:rPr lang="en-US" smtClean="0"/>
-              <a:t>3/5/2023</a:t>
+              <a:t>3/9/2023</a:t>
             </a:fld>
             <a:endParaRPr lang="en-US"/>
           </a:p>
@@ -1077,7 +1077,7 @@
           <a:p>
             <a:fld id="{3881C039-66A3-4640-815B-3B5A8B7D868D}" type="datetimeFigureOut">
               <a:rPr lang="en-US" smtClean="0"/>
-              <a:t>3/5/2023</a:t>
+              <a:t>3/9/2023</a:t>
             </a:fld>
             <a:endParaRPr lang="en-US"/>
           </a:p>
@@ -1288,7 +1288,7 @@
           <a:p>
             <a:fld id="{3881C039-66A3-4640-815B-3B5A8B7D868D}" type="datetimeFigureOut">
               <a:rPr lang="en-US" smtClean="0"/>
-              <a:t>3/5/2023</a:t>
+              <a:t>3/9/2023</a:t>
             </a:fld>
             <a:endParaRPr lang="en-US"/>
           </a:p>
@@ -1583,7 +1583,7 @@
           <a:p>
             <a:fld id="{3881C039-66A3-4640-815B-3B5A8B7D868D}" type="datetimeFigureOut">
               <a:rPr lang="en-US" smtClean="0"/>
-              <a:t>3/5/2023</a:t>
+              <a:t>3/9/2023</a:t>
             </a:fld>
             <a:endParaRPr lang="en-US"/>
           </a:p>
@@ -1912,7 +1912,7 @@
           <a:p>
             <a:fld id="{3881C039-66A3-4640-815B-3B5A8B7D868D}" type="datetimeFigureOut">
               <a:rPr lang="en-US" smtClean="0"/>
-              <a:t>3/5/2023</a:t>
+              <a:t>3/9/2023</a:t>
             </a:fld>
             <a:endParaRPr lang="en-US"/>
           </a:p>
@@ -2404,7 +2404,7 @@
           <a:p>
             <a:fld id="{3881C039-66A3-4640-815B-3B5A8B7D868D}" type="datetimeFigureOut">
               <a:rPr lang="en-US" smtClean="0"/>
-              <a:t>3/5/2023</a:t>
+              <a:t>3/9/2023</a:t>
             </a:fld>
             <a:endParaRPr lang="en-US"/>
           </a:p>
@@ -2563,7 +2563,7 @@
           <a:p>
             <a:fld id="{3881C039-66A3-4640-815B-3B5A8B7D868D}" type="datetimeFigureOut">
               <a:rPr lang="en-US" smtClean="0"/>
-              <a:t>3/5/2023</a:t>
+              <a:t>3/9/2023</a:t>
             </a:fld>
             <a:endParaRPr lang="en-US"/>
           </a:p>
@@ -2699,7 +2699,7 @@
           <a:p>
             <a:fld id="{3881C039-66A3-4640-815B-3B5A8B7D868D}" type="datetimeFigureOut">
               <a:rPr lang="en-US" smtClean="0"/>
-              <a:t>3/5/2023</a:t>
+              <a:t>3/9/2023</a:t>
             </a:fld>
             <a:endParaRPr lang="en-US"/>
           </a:p>
@@ -3027,7 +3027,7 @@
           <a:p>
             <a:fld id="{3881C039-66A3-4640-815B-3B5A8B7D868D}" type="datetimeFigureOut">
               <a:rPr lang="en-US" smtClean="0"/>
-              <a:t>3/5/2023</a:t>
+              <a:t>3/9/2023</a:t>
             </a:fld>
             <a:endParaRPr lang="en-US"/>
           </a:p>
@@ -3342,7 +3342,7 @@
           <a:p>
             <a:fld id="{3881C039-66A3-4640-815B-3B5A8B7D868D}" type="datetimeFigureOut">
               <a:rPr lang="en-US" smtClean="0"/>
-              <a:t>3/5/2023</a:t>
+              <a:t>3/9/2023</a:t>
             </a:fld>
             <a:endParaRPr lang="en-US"/>
           </a:p>
@@ -3594,7 +3594,7 @@
           <a:p>
             <a:fld id="{3881C039-66A3-4640-815B-3B5A8B7D868D}" type="datetimeFigureOut">
               <a:rPr lang="en-US" smtClean="0"/>
-              <a:t>3/5/2023</a:t>
+              <a:t>3/9/2023</a:t>
             </a:fld>
             <a:endParaRPr lang="en-US"/>
           </a:p>
@@ -7511,8 +7511,8 @@
           </a:fontRef>
         </p:style>
       </p:cxnSp>
-      <mc:AlternateContent xmlns:mc="http://schemas.openxmlformats.org/markup-compatibility/2006">
-        <mc:Choice xmlns:a14="http://schemas.microsoft.com/office/drawing/2010/main" Requires="a14">
+      <mc:AlternateContent xmlns:mc="http://schemas.openxmlformats.org/markup-compatibility/2006" xmlns:a14="http://schemas.microsoft.com/office/drawing/2010/main">
+        <mc:Choice Requires="a14">
           <p:sp>
             <p:nvSpPr>
               <p:cNvPr id="28" name="TextBox 27">
@@ -7621,16 +7621,7 @@
                               </a:solidFill>
                               <a:latin typeface="Cambria Math" panose="02040503050406030204" pitchFamily="18" charset="0"/>
                             </a:rPr>
-                            <m:t>$</m:t>
-                          </m:r>
-                          <m:r>
-                            <a:rPr lang="en-US" sz="2000" b="0" i="1" smtClean="0">
-                              <a:solidFill>
-                                <a:schemeClr val="bg1"/>
-                              </a:solidFill>
-                              <a:latin typeface="Cambria Math" panose="02040503050406030204" pitchFamily="18" charset="0"/>
-                            </a:rPr>
-                            <m:t>81</m:t>
+                            <m:t>$81</m:t>
                           </m:r>
                           <m:r>
                             <a:rPr lang="en-US" sz="2000" b="0" i="1" smtClean="0">
@@ -7661,16 +7652,7 @@
                           </a:solidFill>
                           <a:latin typeface="Cambria Math" panose="02040503050406030204" pitchFamily="18" charset="0"/>
                         </a:rPr>
-                        <m:t>=$</m:t>
-                      </m:r>
-                      <m:r>
-                        <a:rPr lang="en-US" sz="2000" b="0" i="1" smtClean="0">
-                          <a:solidFill>
-                            <a:schemeClr val="bg1"/>
-                          </a:solidFill>
-                          <a:latin typeface="Cambria Math" panose="02040503050406030204" pitchFamily="18" charset="0"/>
-                        </a:rPr>
-                        <m:t>2.5</m:t>
+                        <m:t>=$2.5</m:t>
                       </m:r>
                       <m:r>
                         <a:rPr lang="en-US" sz="2000" b="0" i="1" smtClean="0">
@@ -7693,7 +7675,7 @@
             </p:txBody>
           </p:sp>
         </mc:Choice>
-        <mc:Fallback>
+        <mc:Fallback xmlns="">
           <p:sp>
             <p:nvSpPr>
               <p:cNvPr id="28" name="TextBox 27">
@@ -9006,7 +8988,7 @@
                 </a:solidFill>
                 <a:latin typeface="Selawik Semibold" panose="020B0702040204020203" pitchFamily="34" charset="0"/>
               </a:rPr>
-              <a:t>Fix Based on Criticism 2</a:t>
+              <a:t>Fix Based on Criticism 1</a:t>
             </a:r>
             <a:endParaRPr lang="en-US" sz="2000" dirty="0">
               <a:solidFill>
@@ -11058,7 +11040,7 @@
                 </a:solidFill>
                 <a:latin typeface="Selawik Semibold" panose="020B0702040204020203" pitchFamily="34" charset="0"/>
               </a:rPr>
-              <a:t>Fix Based on Criticism 1</a:t>
+              <a:t>Fix Based on Criticism 2</a:t>
             </a:r>
           </a:p>
           <a:p>
@@ -14728,8 +14710,8 @@
           </a:fontRef>
         </p:style>
       </p:cxnSp>
-      <mc:AlternateContent xmlns:mc="http://schemas.openxmlformats.org/markup-compatibility/2006">
-        <mc:Choice xmlns:a14="http://schemas.microsoft.com/office/drawing/2010/main" Requires="a14">
+      <mc:AlternateContent xmlns:mc="http://schemas.openxmlformats.org/markup-compatibility/2006" xmlns:a14="http://schemas.microsoft.com/office/drawing/2010/main">
+        <mc:Choice Requires="a14">
           <p:sp>
             <p:nvSpPr>
               <p:cNvPr id="3" name="TextBox 2">
@@ -14758,6 +14740,7 @@
               </a:bodyPr>
               <a:lstStyle/>
               <a:p>
+                <a:pPr/>
                 <a14:m>
                   <m:oMathPara xmlns:m="http://schemas.openxmlformats.org/officeDocument/2006/math">
                     <m:oMathParaPr>
@@ -14880,7 +14863,7 @@
             </p:txBody>
           </p:sp>
         </mc:Choice>
-        <mc:Fallback>
+        <mc:Fallback xmlns="">
           <p:sp>
             <p:nvSpPr>
               <p:cNvPr id="3" name="TextBox 2">
@@ -14925,8 +14908,8 @@
           </p:sp>
         </mc:Fallback>
       </mc:AlternateContent>
-      <mc:AlternateContent xmlns:mc="http://schemas.openxmlformats.org/markup-compatibility/2006">
-        <mc:Choice xmlns:a14="http://schemas.microsoft.com/office/drawing/2010/main" Requires="a14">
+      <mc:AlternateContent xmlns:mc="http://schemas.openxmlformats.org/markup-compatibility/2006" xmlns:a14="http://schemas.microsoft.com/office/drawing/2010/main">
+        <mc:Choice Requires="a14">
           <p:sp>
             <p:nvSpPr>
               <p:cNvPr id="4" name="TextBox 3">
@@ -14955,6 +14938,7 @@
               </a:bodyPr>
               <a:lstStyle/>
               <a:p>
+                <a:pPr/>
                 <a14:m>
                   <m:oMathPara xmlns:m="http://schemas.openxmlformats.org/officeDocument/2006/math">
                     <m:oMathParaPr>
@@ -14964,7 +14948,7 @@
                       <m:d>
                         <m:dPr>
                           <m:ctrlPr>
-                            <a:rPr lang="en-US" sz="2000" b="0" i="0" smtClean="0">
+                            <a:rPr lang="en-US" sz="2000" b="0" i="1" smtClean="0">
                               <a:solidFill>
                                 <a:schemeClr val="bg1"/>
                               </a:solidFill>
@@ -14985,7 +14969,7 @@
                           <m:f>
                             <m:fPr>
                               <m:ctrlPr>
-                                <a:rPr lang="en-US" sz="2000" b="0" i="0" smtClean="0">
+                                <a:rPr lang="en-US" sz="2000" b="0" i="1" smtClean="0">
                                   <a:solidFill>
                                     <a:schemeClr val="bg1"/>
                                   </a:solidFill>
@@ -15093,7 +15077,7 @@
             </p:txBody>
           </p:sp>
         </mc:Choice>
-        <mc:Fallback>
+        <mc:Fallback xmlns="">
           <p:sp>
             <p:nvSpPr>
               <p:cNvPr id="4" name="TextBox 3">
@@ -15290,8 +15274,8 @@
           </a:prstGeom>
         </p:spPr>
       </p:pic>
-      <mc:AlternateContent xmlns:mc="http://schemas.openxmlformats.org/markup-compatibility/2006">
-        <mc:Choice xmlns:a14="http://schemas.microsoft.com/office/drawing/2010/main" Requires="a14">
+      <mc:AlternateContent xmlns:mc="http://schemas.openxmlformats.org/markup-compatibility/2006" xmlns:a14="http://schemas.microsoft.com/office/drawing/2010/main">
+        <mc:Choice Requires="a14">
           <p:sp>
             <p:nvSpPr>
               <p:cNvPr id="24" name="Content Placeholder 2">
@@ -15653,7 +15637,7 @@
             </p:txBody>
           </p:sp>
         </mc:Choice>
-        <mc:Fallback>
+        <mc:Fallback xmlns="">
           <p:sp>
             <p:nvSpPr>
               <p:cNvPr id="24" name="Content Placeholder 2">
@@ -16236,8 +16220,8 @@
           </a:fontRef>
         </p:style>
       </p:cxnSp>
-      <mc:AlternateContent xmlns:mc="http://schemas.openxmlformats.org/markup-compatibility/2006">
-        <mc:Choice xmlns:a14="http://schemas.microsoft.com/office/drawing/2010/main" Requires="a14">
+      <mc:AlternateContent xmlns:mc="http://schemas.openxmlformats.org/markup-compatibility/2006" xmlns:a14="http://schemas.microsoft.com/office/drawing/2010/main">
+        <mc:Choice Requires="a14">
           <p:sp>
             <p:nvSpPr>
               <p:cNvPr id="6" name="TextBox 5">
@@ -16333,7 +16317,7 @@
             </p:txBody>
           </p:sp>
         </mc:Choice>
-        <mc:Fallback>
+        <mc:Fallback xmlns="">
           <p:sp>
             <p:nvSpPr>
               <p:cNvPr id="6" name="TextBox 5">
@@ -16378,8 +16362,8 @@
           </p:sp>
         </mc:Fallback>
       </mc:AlternateContent>
-      <mc:AlternateContent xmlns:mc="http://schemas.openxmlformats.org/markup-compatibility/2006">
-        <mc:Choice xmlns:a14="http://schemas.microsoft.com/office/drawing/2010/main" Requires="a14">
+      <mc:AlternateContent xmlns:mc="http://schemas.openxmlformats.org/markup-compatibility/2006" xmlns:a14="http://schemas.microsoft.com/office/drawing/2010/main">
+        <mc:Choice Requires="a14">
           <p:sp>
             <p:nvSpPr>
               <p:cNvPr id="7" name="TextBox 6">
@@ -16525,7 +16509,7 @@
             </p:txBody>
           </p:sp>
         </mc:Choice>
-        <mc:Fallback>
+        <mc:Fallback xmlns="">
           <p:sp>
             <p:nvSpPr>
               <p:cNvPr id="7" name="TextBox 6">
@@ -16570,8 +16554,8 @@
           </p:sp>
         </mc:Fallback>
       </mc:AlternateContent>
-      <mc:AlternateContent xmlns:mc="http://schemas.openxmlformats.org/markup-compatibility/2006">
-        <mc:Choice xmlns:a14="http://schemas.microsoft.com/office/drawing/2010/main" Requires="a14">
+      <mc:AlternateContent xmlns:mc="http://schemas.openxmlformats.org/markup-compatibility/2006" xmlns:a14="http://schemas.microsoft.com/office/drawing/2010/main">
+        <mc:Choice Requires="a14">
           <p:sp>
             <p:nvSpPr>
               <p:cNvPr id="8" name="TextBox 7">
@@ -16705,7 +16689,7 @@
             </p:txBody>
           </p:sp>
         </mc:Choice>
-        <mc:Fallback>
+        <mc:Fallback xmlns="">
           <p:sp>
             <p:nvSpPr>
               <p:cNvPr id="8" name="TextBox 7">
@@ -17690,8 +17674,8 @@
           </a:fontRef>
         </p:style>
       </p:cxnSp>
-      <mc:AlternateContent xmlns:mc="http://schemas.openxmlformats.org/markup-compatibility/2006">
-        <mc:Choice xmlns:a14="http://schemas.microsoft.com/office/drawing/2010/main" Requires="a14">
+      <mc:AlternateContent xmlns:mc="http://schemas.openxmlformats.org/markup-compatibility/2006" xmlns:a14="http://schemas.microsoft.com/office/drawing/2010/main">
+        <mc:Choice Requires="a14">
           <p:sp>
             <p:nvSpPr>
               <p:cNvPr id="3" name="TextBox 2">
@@ -17771,7 +17755,7 @@
             </p:txBody>
           </p:sp>
         </mc:Choice>
-        <mc:Fallback>
+        <mc:Fallback xmlns="">
           <p:sp>
             <p:nvSpPr>
               <p:cNvPr id="3" name="TextBox 2">
@@ -17816,8 +17800,8 @@
           </p:sp>
         </mc:Fallback>
       </mc:AlternateContent>
-      <mc:AlternateContent xmlns:mc="http://schemas.openxmlformats.org/markup-compatibility/2006">
-        <mc:Choice xmlns:a14="http://schemas.microsoft.com/office/drawing/2010/main" Requires="a14">
+      <mc:AlternateContent xmlns:mc="http://schemas.openxmlformats.org/markup-compatibility/2006" xmlns:a14="http://schemas.microsoft.com/office/drawing/2010/main">
+        <mc:Choice Requires="a14">
           <p:sp>
             <p:nvSpPr>
               <p:cNvPr id="4" name="TextBox 3">
@@ -17897,7 +17881,7 @@
             </p:txBody>
           </p:sp>
         </mc:Choice>
-        <mc:Fallback>
+        <mc:Fallback xmlns="">
           <p:sp>
             <p:nvSpPr>
               <p:cNvPr id="4" name="TextBox 3">
@@ -18828,8 +18812,8 @@
           </a:fontRef>
         </p:style>
       </p:cxnSp>
-      <mc:AlternateContent xmlns:mc="http://schemas.openxmlformats.org/markup-compatibility/2006">
-        <mc:Choice xmlns:a14="http://schemas.microsoft.com/office/drawing/2010/main" Requires="a14">
+      <mc:AlternateContent xmlns:mc="http://schemas.openxmlformats.org/markup-compatibility/2006" xmlns:a14="http://schemas.microsoft.com/office/drawing/2010/main">
+        <mc:Choice Requires="a14">
           <p:sp>
             <p:nvSpPr>
               <p:cNvPr id="3" name="TextBox 2">
@@ -18899,16 +18883,7 @@
                           </a:solidFill>
                           <a:latin typeface="Cambria Math" panose="02040503050406030204" pitchFamily="18" charset="0"/>
                         </a:rPr>
-                        <m:t>=</m:t>
-                      </m:r>
-                      <m:r>
-                        <a:rPr lang="en-US" sz="2000" b="0" i="1" smtClean="0">
-                          <a:solidFill>
-                            <a:schemeClr val="bg1"/>
-                          </a:solidFill>
-                          <a:latin typeface="Cambria Math" panose="02040503050406030204" pitchFamily="18" charset="0"/>
-                        </a:rPr>
-                        <m:t>20∗2.5=$50</m:t>
+                        <m:t>=20∗2.5=$50</m:t>
                       </m:r>
                       <m:r>
                         <a:rPr lang="en-US" sz="2000" b="0" i="1" smtClean="0">
@@ -18927,7 +18902,7 @@
             </p:txBody>
           </p:sp>
         </mc:Choice>
-        <mc:Fallback>
+        <mc:Fallback xmlns="">
           <p:sp>
             <p:nvSpPr>
               <p:cNvPr id="3" name="TextBox 2">

--- a/Slides/Basketball 4/Basketball_4_Lecture.pptx
+++ b/Slides/Basketball 4/Basketball_4_Lecture.pptx
@@ -225,7 +225,7 @@
           <a:p>
             <a:fld id="{C04E5E84-956F-4423-97B3-5936A6D8EEEE}" type="datetimeFigureOut">
               <a:rPr lang="en-US" smtClean="0"/>
-              <a:t>3/9/2023</a:t>
+              <a:t>3/26/2024</a:t>
             </a:fld>
             <a:endParaRPr lang="en-US"/>
           </a:p>
@@ -686,7 +686,7 @@
           <a:p>
             <a:fld id="{3881C039-66A3-4640-815B-3B5A8B7D868D}" type="datetimeFigureOut">
               <a:rPr lang="en-US" smtClean="0"/>
-              <a:t>3/9/2023</a:t>
+              <a:t>3/26/2024</a:t>
             </a:fld>
             <a:endParaRPr lang="en-US"/>
           </a:p>
@@ -856,7 +856,7 @@
           <a:p>
             <a:fld id="{3881C039-66A3-4640-815B-3B5A8B7D868D}" type="datetimeFigureOut">
               <a:rPr lang="en-US" smtClean="0"/>
-              <a:t>3/9/2023</a:t>
+              <a:t>3/26/2024</a:t>
             </a:fld>
             <a:endParaRPr lang="en-US"/>
           </a:p>
@@ -1077,7 +1077,7 @@
           <a:p>
             <a:fld id="{3881C039-66A3-4640-815B-3B5A8B7D868D}" type="datetimeFigureOut">
               <a:rPr lang="en-US" smtClean="0"/>
-              <a:t>3/9/2023</a:t>
+              <a:t>3/26/2024</a:t>
             </a:fld>
             <a:endParaRPr lang="en-US"/>
           </a:p>
@@ -1288,7 +1288,7 @@
           <a:p>
             <a:fld id="{3881C039-66A3-4640-815B-3B5A8B7D868D}" type="datetimeFigureOut">
               <a:rPr lang="en-US" smtClean="0"/>
-              <a:t>3/9/2023</a:t>
+              <a:t>3/26/2024</a:t>
             </a:fld>
             <a:endParaRPr lang="en-US"/>
           </a:p>
@@ -1583,7 +1583,7 @@
           <a:p>
             <a:fld id="{3881C039-66A3-4640-815B-3B5A8B7D868D}" type="datetimeFigureOut">
               <a:rPr lang="en-US" smtClean="0"/>
-              <a:t>3/9/2023</a:t>
+              <a:t>3/26/2024</a:t>
             </a:fld>
             <a:endParaRPr lang="en-US"/>
           </a:p>
@@ -1912,7 +1912,7 @@
           <a:p>
             <a:fld id="{3881C039-66A3-4640-815B-3B5A8B7D868D}" type="datetimeFigureOut">
               <a:rPr lang="en-US" smtClean="0"/>
-              <a:t>3/9/2023</a:t>
+              <a:t>3/26/2024</a:t>
             </a:fld>
             <a:endParaRPr lang="en-US"/>
           </a:p>
@@ -2404,7 +2404,7 @@
           <a:p>
             <a:fld id="{3881C039-66A3-4640-815B-3B5A8B7D868D}" type="datetimeFigureOut">
               <a:rPr lang="en-US" smtClean="0"/>
-              <a:t>3/9/2023</a:t>
+              <a:t>3/26/2024</a:t>
             </a:fld>
             <a:endParaRPr lang="en-US"/>
           </a:p>
@@ -2563,7 +2563,7 @@
           <a:p>
             <a:fld id="{3881C039-66A3-4640-815B-3B5A8B7D868D}" type="datetimeFigureOut">
               <a:rPr lang="en-US" smtClean="0"/>
-              <a:t>3/9/2023</a:t>
+              <a:t>3/26/2024</a:t>
             </a:fld>
             <a:endParaRPr lang="en-US"/>
           </a:p>
@@ -2699,7 +2699,7 @@
           <a:p>
             <a:fld id="{3881C039-66A3-4640-815B-3B5A8B7D868D}" type="datetimeFigureOut">
               <a:rPr lang="en-US" smtClean="0"/>
-              <a:t>3/9/2023</a:t>
+              <a:t>3/26/2024</a:t>
             </a:fld>
             <a:endParaRPr lang="en-US"/>
           </a:p>
@@ -3027,7 +3027,7 @@
           <a:p>
             <a:fld id="{3881C039-66A3-4640-815B-3B5A8B7D868D}" type="datetimeFigureOut">
               <a:rPr lang="en-US" smtClean="0"/>
-              <a:t>3/9/2023</a:t>
+              <a:t>3/26/2024</a:t>
             </a:fld>
             <a:endParaRPr lang="en-US"/>
           </a:p>
@@ -3342,7 +3342,7 @@
           <a:p>
             <a:fld id="{3881C039-66A3-4640-815B-3B5A8B7D868D}" type="datetimeFigureOut">
               <a:rPr lang="en-US" smtClean="0"/>
-              <a:t>3/9/2023</a:t>
+              <a:t>3/26/2024</a:t>
             </a:fld>
             <a:endParaRPr lang="en-US"/>
           </a:p>
@@ -3594,7 +3594,7 @@
           <a:p>
             <a:fld id="{3881C039-66A3-4640-815B-3B5A8B7D868D}" type="datetimeFigureOut">
               <a:rPr lang="en-US" smtClean="0"/>
-              <a:t>3/9/2023</a:t>
+              <a:t>3/26/2024</a:t>
             </a:fld>
             <a:endParaRPr lang="en-US"/>
           </a:p>
@@ -16554,8 +16554,8 @@
           </p:sp>
         </mc:Fallback>
       </mc:AlternateContent>
-      <mc:AlternateContent xmlns:mc="http://schemas.openxmlformats.org/markup-compatibility/2006" xmlns:a14="http://schemas.microsoft.com/office/drawing/2010/main">
-        <mc:Choice Requires="a14">
+      <mc:AlternateContent xmlns:mc="http://schemas.openxmlformats.org/markup-compatibility/2006">
+        <mc:Choice xmlns:a14="http://schemas.microsoft.com/office/drawing/2010/main" Requires="a14">
           <p:sp>
             <p:nvSpPr>
               <p:cNvPr id="8" name="TextBox 7">
@@ -16661,7 +16661,7 @@
                           </a:solidFill>
                           <a:latin typeface="Cambria Math" panose="02040503050406030204" pitchFamily="18" charset="0"/>
                         </a:rPr>
-                        <m:t> 73 </m:t>
+                        <m:t> 73.3 </m:t>
                       </m:r>
                       <m:r>
                         <a:rPr lang="en-US" sz="1800" b="0" i="1" smtClean="0">
@@ -16689,7 +16689,7 @@
             </p:txBody>
           </p:sp>
         </mc:Choice>
-        <mc:Fallback xmlns="">
+        <mc:Fallback>
           <p:sp>
             <p:nvSpPr>
               <p:cNvPr id="8" name="TextBox 7">

--- a/Slides/Basketball 4/Basketball_4_Lecture.pptx
+++ b/Slides/Basketball 4/Basketball_4_Lecture.pptx
@@ -225,7 +225,7 @@
           <a:p>
             <a:fld id="{C04E5E84-956F-4423-97B3-5936A6D8EEEE}" type="datetimeFigureOut">
               <a:rPr lang="en-US" smtClean="0"/>
-              <a:t>3/26/2024</a:t>
+              <a:t>4/4/2024</a:t>
             </a:fld>
             <a:endParaRPr lang="en-US"/>
           </a:p>
@@ -686,7 +686,7 @@
           <a:p>
             <a:fld id="{3881C039-66A3-4640-815B-3B5A8B7D868D}" type="datetimeFigureOut">
               <a:rPr lang="en-US" smtClean="0"/>
-              <a:t>3/26/2024</a:t>
+              <a:t>4/4/2024</a:t>
             </a:fld>
             <a:endParaRPr lang="en-US"/>
           </a:p>
@@ -856,7 +856,7 @@
           <a:p>
             <a:fld id="{3881C039-66A3-4640-815B-3B5A8B7D868D}" type="datetimeFigureOut">
               <a:rPr lang="en-US" smtClean="0"/>
-              <a:t>3/26/2024</a:t>
+              <a:t>4/4/2024</a:t>
             </a:fld>
             <a:endParaRPr lang="en-US"/>
           </a:p>
@@ -1077,7 +1077,7 @@
           <a:p>
             <a:fld id="{3881C039-66A3-4640-815B-3B5A8B7D868D}" type="datetimeFigureOut">
               <a:rPr lang="en-US" smtClean="0"/>
-              <a:t>3/26/2024</a:t>
+              <a:t>4/4/2024</a:t>
             </a:fld>
             <a:endParaRPr lang="en-US"/>
           </a:p>
@@ -1288,7 +1288,7 @@
           <a:p>
             <a:fld id="{3881C039-66A3-4640-815B-3B5A8B7D868D}" type="datetimeFigureOut">
               <a:rPr lang="en-US" smtClean="0"/>
-              <a:t>3/26/2024</a:t>
+              <a:t>4/4/2024</a:t>
             </a:fld>
             <a:endParaRPr lang="en-US"/>
           </a:p>
@@ -1583,7 +1583,7 @@
           <a:p>
             <a:fld id="{3881C039-66A3-4640-815B-3B5A8B7D868D}" type="datetimeFigureOut">
               <a:rPr lang="en-US" smtClean="0"/>
-              <a:t>3/26/2024</a:t>
+              <a:t>4/4/2024</a:t>
             </a:fld>
             <a:endParaRPr lang="en-US"/>
           </a:p>
@@ -1912,7 +1912,7 @@
           <a:p>
             <a:fld id="{3881C039-66A3-4640-815B-3B5A8B7D868D}" type="datetimeFigureOut">
               <a:rPr lang="en-US" smtClean="0"/>
-              <a:t>3/26/2024</a:t>
+              <a:t>4/4/2024</a:t>
             </a:fld>
             <a:endParaRPr lang="en-US"/>
           </a:p>
@@ -2404,7 +2404,7 @@
           <a:p>
             <a:fld id="{3881C039-66A3-4640-815B-3B5A8B7D868D}" type="datetimeFigureOut">
               <a:rPr lang="en-US" smtClean="0"/>
-              <a:t>3/26/2024</a:t>
+              <a:t>4/4/2024</a:t>
             </a:fld>
             <a:endParaRPr lang="en-US"/>
           </a:p>
@@ -2563,7 +2563,7 @@
           <a:p>
             <a:fld id="{3881C039-66A3-4640-815B-3B5A8B7D868D}" type="datetimeFigureOut">
               <a:rPr lang="en-US" smtClean="0"/>
-              <a:t>3/26/2024</a:t>
+              <a:t>4/4/2024</a:t>
             </a:fld>
             <a:endParaRPr lang="en-US"/>
           </a:p>
@@ -2699,7 +2699,7 @@
           <a:p>
             <a:fld id="{3881C039-66A3-4640-815B-3B5A8B7D868D}" type="datetimeFigureOut">
               <a:rPr lang="en-US" smtClean="0"/>
-              <a:t>3/26/2024</a:t>
+              <a:t>4/4/2024</a:t>
             </a:fld>
             <a:endParaRPr lang="en-US"/>
           </a:p>
@@ -3027,7 +3027,7 @@
           <a:p>
             <a:fld id="{3881C039-66A3-4640-815B-3B5A8B7D868D}" type="datetimeFigureOut">
               <a:rPr lang="en-US" smtClean="0"/>
-              <a:t>3/26/2024</a:t>
+              <a:t>4/4/2024</a:t>
             </a:fld>
             <a:endParaRPr lang="en-US"/>
           </a:p>
@@ -3342,7 +3342,7 @@
           <a:p>
             <a:fld id="{3881C039-66A3-4640-815B-3B5A8B7D868D}" type="datetimeFigureOut">
               <a:rPr lang="en-US" smtClean="0"/>
-              <a:t>3/26/2024</a:t>
+              <a:t>4/4/2024</a:t>
             </a:fld>
             <a:endParaRPr lang="en-US"/>
           </a:p>
@@ -3594,7 +3594,7 @@
           <a:p>
             <a:fld id="{3881C039-66A3-4640-815B-3B5A8B7D868D}" type="datetimeFigureOut">
               <a:rPr lang="en-US" smtClean="0"/>
-              <a:t>3/26/2024</a:t>
+              <a:t>4/4/2024</a:t>
             </a:fld>
             <a:endParaRPr lang="en-US"/>
           </a:p>
@@ -16554,8 +16554,8 @@
           </p:sp>
         </mc:Fallback>
       </mc:AlternateContent>
-      <mc:AlternateContent xmlns:mc="http://schemas.openxmlformats.org/markup-compatibility/2006">
-        <mc:Choice xmlns:a14="http://schemas.microsoft.com/office/drawing/2010/main" Requires="a14">
+      <mc:AlternateContent xmlns:mc="http://schemas.openxmlformats.org/markup-compatibility/2006" xmlns:a14="http://schemas.microsoft.com/office/drawing/2010/main">
+        <mc:Choice Requires="a14">
           <p:sp>
             <p:nvSpPr>
               <p:cNvPr id="8" name="TextBox 7">
@@ -16689,7 +16689,7 @@
             </p:txBody>
           </p:sp>
         </mc:Choice>
-        <mc:Fallback>
+        <mc:Fallback xmlns="">
           <p:sp>
             <p:nvSpPr>
               <p:cNvPr id="8" name="TextBox 7">
@@ -18191,7 +18191,7 @@
                 </a:solidFill>
                 <a:latin typeface="Selawik Semibold" panose="020B0702040204020203" pitchFamily="34" charset="0"/>
               </a:rPr>
-              <a:t>Book Calculates Fair Salary of a Player in a 2018 Based off Generated Wins From Previous Season</a:t>
+              <a:t>Book Calculates Fair Salary of a Player in 2018 Based off Generated Wins From Previous Season</a:t>
             </a:r>
           </a:p>
           <a:p>

--- a/Slides/Basketball 4/Basketball_4_Lecture.pptx
+++ b/Slides/Basketball 4/Basketball_4_Lecture.pptx
@@ -225,7 +225,7 @@
           <a:p>
             <a:fld id="{C04E5E84-956F-4423-97B3-5936A6D8EEEE}" type="datetimeFigureOut">
               <a:rPr lang="en-US" smtClean="0"/>
-              <a:t>4/4/2024</a:t>
+              <a:t>3/28/2025</a:t>
             </a:fld>
             <a:endParaRPr lang="en-US"/>
           </a:p>
@@ -686,7 +686,7 @@
           <a:p>
             <a:fld id="{3881C039-66A3-4640-815B-3B5A8B7D868D}" type="datetimeFigureOut">
               <a:rPr lang="en-US" smtClean="0"/>
-              <a:t>4/4/2024</a:t>
+              <a:t>3/28/2025</a:t>
             </a:fld>
             <a:endParaRPr lang="en-US"/>
           </a:p>
@@ -856,7 +856,7 @@
           <a:p>
             <a:fld id="{3881C039-66A3-4640-815B-3B5A8B7D868D}" type="datetimeFigureOut">
               <a:rPr lang="en-US" smtClean="0"/>
-              <a:t>4/4/2024</a:t>
+              <a:t>3/28/2025</a:t>
             </a:fld>
             <a:endParaRPr lang="en-US"/>
           </a:p>
@@ -1077,7 +1077,7 @@
           <a:p>
             <a:fld id="{3881C039-66A3-4640-815B-3B5A8B7D868D}" type="datetimeFigureOut">
               <a:rPr lang="en-US" smtClean="0"/>
-              <a:t>4/4/2024</a:t>
+              <a:t>3/28/2025</a:t>
             </a:fld>
             <a:endParaRPr lang="en-US"/>
           </a:p>
@@ -1288,7 +1288,7 @@
           <a:p>
             <a:fld id="{3881C039-66A3-4640-815B-3B5A8B7D868D}" type="datetimeFigureOut">
               <a:rPr lang="en-US" smtClean="0"/>
-              <a:t>4/4/2024</a:t>
+              <a:t>3/28/2025</a:t>
             </a:fld>
             <a:endParaRPr lang="en-US"/>
           </a:p>
@@ -1583,7 +1583,7 @@
           <a:p>
             <a:fld id="{3881C039-66A3-4640-815B-3B5A8B7D868D}" type="datetimeFigureOut">
               <a:rPr lang="en-US" smtClean="0"/>
-              <a:t>4/4/2024</a:t>
+              <a:t>3/28/2025</a:t>
             </a:fld>
             <a:endParaRPr lang="en-US"/>
           </a:p>
@@ -1912,7 +1912,7 @@
           <a:p>
             <a:fld id="{3881C039-66A3-4640-815B-3B5A8B7D868D}" type="datetimeFigureOut">
               <a:rPr lang="en-US" smtClean="0"/>
-              <a:t>4/4/2024</a:t>
+              <a:t>3/28/2025</a:t>
             </a:fld>
             <a:endParaRPr lang="en-US"/>
           </a:p>
@@ -2404,7 +2404,7 @@
           <a:p>
             <a:fld id="{3881C039-66A3-4640-815B-3B5A8B7D868D}" type="datetimeFigureOut">
               <a:rPr lang="en-US" smtClean="0"/>
-              <a:t>4/4/2024</a:t>
+              <a:t>3/28/2025</a:t>
             </a:fld>
             <a:endParaRPr lang="en-US"/>
           </a:p>
@@ -2563,7 +2563,7 @@
           <a:p>
             <a:fld id="{3881C039-66A3-4640-815B-3B5A8B7D868D}" type="datetimeFigureOut">
               <a:rPr lang="en-US" smtClean="0"/>
-              <a:t>4/4/2024</a:t>
+              <a:t>3/28/2025</a:t>
             </a:fld>
             <a:endParaRPr lang="en-US"/>
           </a:p>
@@ -2699,7 +2699,7 @@
           <a:p>
             <a:fld id="{3881C039-66A3-4640-815B-3B5A8B7D868D}" type="datetimeFigureOut">
               <a:rPr lang="en-US" smtClean="0"/>
-              <a:t>4/4/2024</a:t>
+              <a:t>3/28/2025</a:t>
             </a:fld>
             <a:endParaRPr lang="en-US"/>
           </a:p>
@@ -3027,7 +3027,7 @@
           <a:p>
             <a:fld id="{3881C039-66A3-4640-815B-3B5A8B7D868D}" type="datetimeFigureOut">
               <a:rPr lang="en-US" smtClean="0"/>
-              <a:t>4/4/2024</a:t>
+              <a:t>3/28/2025</a:t>
             </a:fld>
             <a:endParaRPr lang="en-US"/>
           </a:p>
@@ -3342,7 +3342,7 @@
           <a:p>
             <a:fld id="{3881C039-66A3-4640-815B-3B5A8B7D868D}" type="datetimeFigureOut">
               <a:rPr lang="en-US" smtClean="0"/>
-              <a:t>4/4/2024</a:t>
+              <a:t>3/28/2025</a:t>
             </a:fld>
             <a:endParaRPr lang="en-US"/>
           </a:p>
@@ -3594,7 +3594,7 @@
           <a:p>
             <a:fld id="{3881C039-66A3-4640-815B-3B5A8B7D868D}" type="datetimeFigureOut">
               <a:rPr lang="en-US" smtClean="0"/>
-              <a:t>4/4/2024</a:t>
+              <a:t>3/28/2025</a:t>
             </a:fld>
             <a:endParaRPr lang="en-US"/>
           </a:p>
@@ -18962,7 +18962,7 @@
           <p:nvPr>
             <p:extLst>
               <p:ext uri="{D42A27DB-BD31-4B8C-83A1-F6EECF244321}">
-                <p14:modId xmlns:p14="http://schemas.microsoft.com/office/powerpoint/2010/main" val="3610559494"/>
+                <p14:modId xmlns:p14="http://schemas.microsoft.com/office/powerpoint/2010/main" val="2750338940"/>
               </p:ext>
             </p:extLst>
           </p:nvPr>
@@ -19076,8 +19076,13 @@
                     <a:p>
                       <a:r>
                         <a:rPr lang="en-US" dirty="0"/>
-                        <a:t>Fair Pay in Previous Year</a:t>
+                        <a:t>Fair </a:t>
                       </a:r>
+                      <a:r>
+                        <a:rPr lang="en-US"/>
+                        <a:t>Pay This Year</a:t>
+                      </a:r>
+                      <a:endParaRPr lang="en-US" dirty="0"/>
                     </a:p>
                   </a:txBody>
                   <a:tcPr/>

--- a/Slides/Basketball 4/Basketball_4_Lecture.pptx
+++ b/Slides/Basketball 4/Basketball_4_Lecture.pptx
@@ -225,7 +225,7 @@
           <a:p>
             <a:fld id="{C04E5E84-956F-4423-97B3-5936A6D8EEEE}" type="datetimeFigureOut">
               <a:rPr lang="en-US" smtClean="0"/>
-              <a:t>3/28/2025</a:t>
+              <a:t>10/27/2025</a:t>
             </a:fld>
             <a:endParaRPr lang="en-US"/>
           </a:p>
@@ -668,6 +668,13 @@
             <a:schemeClr val="lt1"/>
           </a:fontRef>
         </p:style>
+        <p:txBody>
+          <a:bodyPr/>
+          <a:lstStyle/>
+          <a:p>
+            <a:endParaRPr lang="en-US"/>
+          </a:p>
+        </p:txBody>
       </p:sp>
       <p:sp>
         <p:nvSpPr>
@@ -686,7 +693,7 @@
           <a:p>
             <a:fld id="{3881C039-66A3-4640-815B-3B5A8B7D868D}" type="datetimeFigureOut">
               <a:rPr lang="en-US" smtClean="0"/>
-              <a:t>3/28/2025</a:t>
+              <a:t>10/27/2025</a:t>
             </a:fld>
             <a:endParaRPr lang="en-US"/>
           </a:p>
@@ -856,7 +863,7 @@
           <a:p>
             <a:fld id="{3881C039-66A3-4640-815B-3B5A8B7D868D}" type="datetimeFigureOut">
               <a:rPr lang="en-US" smtClean="0"/>
-              <a:t>3/28/2025</a:t>
+              <a:t>10/27/2025</a:t>
             </a:fld>
             <a:endParaRPr lang="en-US"/>
           </a:p>
@@ -1077,7 +1084,7 @@
           <a:p>
             <a:fld id="{3881C039-66A3-4640-815B-3B5A8B7D868D}" type="datetimeFigureOut">
               <a:rPr lang="en-US" smtClean="0"/>
-              <a:t>3/28/2025</a:t>
+              <a:t>10/27/2025</a:t>
             </a:fld>
             <a:endParaRPr lang="en-US"/>
           </a:p>
@@ -1288,7 +1295,7 @@
           <a:p>
             <a:fld id="{3881C039-66A3-4640-815B-3B5A8B7D868D}" type="datetimeFigureOut">
               <a:rPr lang="en-US" smtClean="0"/>
-              <a:t>3/28/2025</a:t>
+              <a:t>10/27/2025</a:t>
             </a:fld>
             <a:endParaRPr lang="en-US"/>
           </a:p>
@@ -1583,7 +1590,7 @@
           <a:p>
             <a:fld id="{3881C039-66A3-4640-815B-3B5A8B7D868D}" type="datetimeFigureOut">
               <a:rPr lang="en-US" smtClean="0"/>
-              <a:t>3/28/2025</a:t>
+              <a:t>10/27/2025</a:t>
             </a:fld>
             <a:endParaRPr lang="en-US"/>
           </a:p>
@@ -1912,7 +1919,7 @@
           <a:p>
             <a:fld id="{3881C039-66A3-4640-815B-3B5A8B7D868D}" type="datetimeFigureOut">
               <a:rPr lang="en-US" smtClean="0"/>
-              <a:t>3/28/2025</a:t>
+              <a:t>10/27/2025</a:t>
             </a:fld>
             <a:endParaRPr lang="en-US"/>
           </a:p>
@@ -2404,7 +2411,7 @@
           <a:p>
             <a:fld id="{3881C039-66A3-4640-815B-3B5A8B7D868D}" type="datetimeFigureOut">
               <a:rPr lang="en-US" smtClean="0"/>
-              <a:t>3/28/2025</a:t>
+              <a:t>10/27/2025</a:t>
             </a:fld>
             <a:endParaRPr lang="en-US"/>
           </a:p>
@@ -2563,7 +2570,7 @@
           <a:p>
             <a:fld id="{3881C039-66A3-4640-815B-3B5A8B7D868D}" type="datetimeFigureOut">
               <a:rPr lang="en-US" smtClean="0"/>
-              <a:t>3/28/2025</a:t>
+              <a:t>10/27/2025</a:t>
             </a:fld>
             <a:endParaRPr lang="en-US"/>
           </a:p>
@@ -2699,7 +2706,7 @@
           <a:p>
             <a:fld id="{3881C039-66A3-4640-815B-3B5A8B7D868D}" type="datetimeFigureOut">
               <a:rPr lang="en-US" smtClean="0"/>
-              <a:t>3/28/2025</a:t>
+              <a:t>10/27/2025</a:t>
             </a:fld>
             <a:endParaRPr lang="en-US"/>
           </a:p>
@@ -3027,7 +3034,7 @@
           <a:p>
             <a:fld id="{3881C039-66A3-4640-815B-3B5A8B7D868D}" type="datetimeFigureOut">
               <a:rPr lang="en-US" smtClean="0"/>
-              <a:t>3/28/2025</a:t>
+              <a:t>10/27/2025</a:t>
             </a:fld>
             <a:endParaRPr lang="en-US"/>
           </a:p>
@@ -3342,7 +3349,7 @@
           <a:p>
             <a:fld id="{3881C039-66A3-4640-815B-3B5A8B7D868D}" type="datetimeFigureOut">
               <a:rPr lang="en-US" smtClean="0"/>
-              <a:t>3/28/2025</a:t>
+              <a:t>10/27/2025</a:t>
             </a:fld>
             <a:endParaRPr lang="en-US"/>
           </a:p>
@@ -3462,6 +3469,13 @@
             <a:schemeClr val="lt1"/>
           </a:fontRef>
         </p:style>
+        <p:txBody>
+          <a:bodyPr/>
+          <a:lstStyle/>
+          <a:p>
+            <a:endParaRPr lang="en-US"/>
+          </a:p>
+        </p:txBody>
       </p:sp>
       <p:sp>
         <p:nvSpPr>
@@ -3594,7 +3608,7 @@
           <a:p>
             <a:fld id="{3881C039-66A3-4640-815B-3B5A8B7D868D}" type="datetimeFigureOut">
               <a:rPr lang="en-US" smtClean="0"/>
-              <a:t>3/28/2025</a:t>
+              <a:t>10/27/2025</a:t>
             </a:fld>
             <a:endParaRPr lang="en-US"/>
           </a:p>
@@ -18962,7 +18976,7 @@
           <p:nvPr>
             <p:extLst>
               <p:ext uri="{D42A27DB-BD31-4B8C-83A1-F6EECF244321}">
-                <p14:modId xmlns:p14="http://schemas.microsoft.com/office/powerpoint/2010/main" val="2750338940"/>
+                <p14:modId xmlns:p14="http://schemas.microsoft.com/office/powerpoint/2010/main" val="2259887703"/>
               </p:ext>
             </p:extLst>
           </p:nvPr>
@@ -19022,7 +19036,7 @@
                     <a:p>
                       <a:r>
                         <a:rPr lang="en-US" dirty="0"/>
-                        <a:t>Player Wins This Year</a:t>
+                        <a:t>Player Wins 2016</a:t>
                       </a:r>
                     </a:p>
                   </a:txBody>
@@ -19035,7 +19049,7 @@
                     <a:p>
                       <a:r>
                         <a:rPr lang="en-US" dirty="0"/>
-                        <a:t>Player Wins Next Year</a:t>
+                        <a:t>Player Wins 2017</a:t>
                       </a:r>
                     </a:p>
                   </a:txBody>
@@ -19059,7 +19073,7 @@
                             <a:schemeClr val="bg1"/>
                           </a:solidFill>
                         </a:rPr>
-                        <a:t>Team Salaries This Year</a:t>
+                        <a:t>Team Salaries 2016</a:t>
                       </a:r>
                     </a:p>
                   </a:txBody>
@@ -19076,13 +19090,8 @@
                     <a:p>
                       <a:r>
                         <a:rPr lang="en-US" dirty="0"/>
-                        <a:t>Fair </a:t>
+                        <a:t>Was Pay Fair in 2016?</a:t>
                       </a:r>
-                      <a:r>
-                        <a:rPr lang="en-US"/>
-                        <a:t>Pay This Year</a:t>
-                      </a:r>
-                      <a:endParaRPr lang="en-US" dirty="0"/>
                     </a:p>
                   </a:txBody>
                   <a:tcPr/>
@@ -19094,7 +19103,7 @@
                     <a:p>
                       <a:r>
                         <a:rPr lang="en-US" dirty="0"/>
-                        <a:t>Not Helpful?</a:t>
+                        <a:t>Helpful or Not Helpful?</a:t>
                       </a:r>
                     </a:p>
                   </a:txBody>
@@ -19118,7 +19127,7 @@
                             <a:schemeClr val="bg1"/>
                           </a:solidFill>
                         </a:rPr>
-                        <a:t>Team Salaries Next Year</a:t>
+                        <a:t>Team Salaries 2017</a:t>
                       </a:r>
                     </a:p>
                   </a:txBody>
@@ -19134,9 +19143,10 @@
                     <a:lstStyle/>
                     <a:p>
                       <a:r>
-                        <a:rPr lang="en-US" dirty="0"/>
-                        <a:t>Determining Fair Salary</a:t>
+                        <a:rPr lang="en-US"/>
+                        <a:t>Fair Salary Next Year</a:t>
                       </a:r>
+                      <a:endParaRPr lang="en-US" dirty="0"/>
                     </a:p>
                   </a:txBody>
                   <a:tcPr/>
@@ -19148,7 +19158,7 @@
                     <a:p>
                       <a:r>
                         <a:rPr lang="en-US" dirty="0"/>
-                        <a:t>Fair Pay in Next Year</a:t>
+                        <a:t>Was Pay Fair in 2017?</a:t>
                       </a:r>
                     </a:p>
                   </a:txBody>

--- a/Slides/Basketball 4/Basketball_4_Lecture.pptx
+++ b/Slides/Basketball 4/Basketball_4_Lecture.pptx
@@ -225,7 +225,7 @@
           <a:p>
             <a:fld id="{C04E5E84-956F-4423-97B3-5936A6D8EEEE}" type="datetimeFigureOut">
               <a:rPr lang="en-US" smtClean="0"/>
-              <a:t>10/27/2025</a:t>
+              <a:t>10/28/2025</a:t>
             </a:fld>
             <a:endParaRPr lang="en-US"/>
           </a:p>
@@ -693,7 +693,7 @@
           <a:p>
             <a:fld id="{3881C039-66A3-4640-815B-3B5A8B7D868D}" type="datetimeFigureOut">
               <a:rPr lang="en-US" smtClean="0"/>
-              <a:t>10/27/2025</a:t>
+              <a:t>10/28/2025</a:t>
             </a:fld>
             <a:endParaRPr lang="en-US"/>
           </a:p>
@@ -863,7 +863,7 @@
           <a:p>
             <a:fld id="{3881C039-66A3-4640-815B-3B5A8B7D868D}" type="datetimeFigureOut">
               <a:rPr lang="en-US" smtClean="0"/>
-              <a:t>10/27/2025</a:t>
+              <a:t>10/28/2025</a:t>
             </a:fld>
             <a:endParaRPr lang="en-US"/>
           </a:p>
@@ -1084,7 +1084,7 @@
           <a:p>
             <a:fld id="{3881C039-66A3-4640-815B-3B5A8B7D868D}" type="datetimeFigureOut">
               <a:rPr lang="en-US" smtClean="0"/>
-              <a:t>10/27/2025</a:t>
+              <a:t>10/28/2025</a:t>
             </a:fld>
             <a:endParaRPr lang="en-US"/>
           </a:p>
@@ -1295,7 +1295,7 @@
           <a:p>
             <a:fld id="{3881C039-66A3-4640-815B-3B5A8B7D868D}" type="datetimeFigureOut">
               <a:rPr lang="en-US" smtClean="0"/>
-              <a:t>10/27/2025</a:t>
+              <a:t>10/28/2025</a:t>
             </a:fld>
             <a:endParaRPr lang="en-US"/>
           </a:p>
@@ -1590,7 +1590,7 @@
           <a:p>
             <a:fld id="{3881C039-66A3-4640-815B-3B5A8B7D868D}" type="datetimeFigureOut">
               <a:rPr lang="en-US" smtClean="0"/>
-              <a:t>10/27/2025</a:t>
+              <a:t>10/28/2025</a:t>
             </a:fld>
             <a:endParaRPr lang="en-US"/>
           </a:p>
@@ -1919,7 +1919,7 @@
           <a:p>
             <a:fld id="{3881C039-66A3-4640-815B-3B5A8B7D868D}" type="datetimeFigureOut">
               <a:rPr lang="en-US" smtClean="0"/>
-              <a:t>10/27/2025</a:t>
+              <a:t>10/28/2025</a:t>
             </a:fld>
             <a:endParaRPr lang="en-US"/>
           </a:p>
@@ -2411,7 +2411,7 @@
           <a:p>
             <a:fld id="{3881C039-66A3-4640-815B-3B5A8B7D868D}" type="datetimeFigureOut">
               <a:rPr lang="en-US" smtClean="0"/>
-              <a:t>10/27/2025</a:t>
+              <a:t>10/28/2025</a:t>
             </a:fld>
             <a:endParaRPr lang="en-US"/>
           </a:p>
@@ -2570,7 +2570,7 @@
           <a:p>
             <a:fld id="{3881C039-66A3-4640-815B-3B5A8B7D868D}" type="datetimeFigureOut">
               <a:rPr lang="en-US" smtClean="0"/>
-              <a:t>10/27/2025</a:t>
+              <a:t>10/28/2025</a:t>
             </a:fld>
             <a:endParaRPr lang="en-US"/>
           </a:p>
@@ -2706,7 +2706,7 @@
           <a:p>
             <a:fld id="{3881C039-66A3-4640-815B-3B5A8B7D868D}" type="datetimeFigureOut">
               <a:rPr lang="en-US" smtClean="0"/>
-              <a:t>10/27/2025</a:t>
+              <a:t>10/28/2025</a:t>
             </a:fld>
             <a:endParaRPr lang="en-US"/>
           </a:p>
@@ -3034,7 +3034,7 @@
           <a:p>
             <a:fld id="{3881C039-66A3-4640-815B-3B5A8B7D868D}" type="datetimeFigureOut">
               <a:rPr lang="en-US" smtClean="0"/>
-              <a:t>10/27/2025</a:t>
+              <a:t>10/28/2025</a:t>
             </a:fld>
             <a:endParaRPr lang="en-US"/>
           </a:p>
@@ -3349,7 +3349,7 @@
           <a:p>
             <a:fld id="{3881C039-66A3-4640-815B-3B5A8B7D868D}" type="datetimeFigureOut">
               <a:rPr lang="en-US" smtClean="0"/>
-              <a:t>10/27/2025</a:t>
+              <a:t>10/28/2025</a:t>
             </a:fld>
             <a:endParaRPr lang="en-US"/>
           </a:p>
@@ -3608,7 +3608,7 @@
           <a:p>
             <a:fld id="{3881C039-66A3-4640-815B-3B5A8B7D868D}" type="datetimeFigureOut">
               <a:rPr lang="en-US" smtClean="0"/>
-              <a:t>10/27/2025</a:t>
+              <a:t>10/28/2025</a:t>
             </a:fld>
             <a:endParaRPr lang="en-US"/>
           </a:p>
@@ -13916,7 +13916,7 @@
                 </a:solidFill>
                 <a:latin typeface="Selawik Semibold" panose="020B0702040204020203" pitchFamily="34" charset="0"/>
               </a:rPr>
-              <a:t>If Giannis Replaced an Average Player, then his Team Improves by 6.69 Points Over the Opponent Per 100 Possessions</a:t>
+              <a:t>If Giannis Replaced an Average Player, then his Team Improves by 6.69 Points Over the Average Opponent Per 100 Possessions</a:t>
             </a:r>
           </a:p>
           <a:p>
